--- a/SwarmMazeSolver.pptx
+++ b/SwarmMazeSolver.pptx
@@ -5,12 +5,12 @@
     <p:sldMasterId id="2147483648" r:id="rId1"/>
   </p:sldMasterIdLst>
   <p:sldIdLst>
-    <p:sldId id="256" r:id="rId7"/>
-    <p:sldId id="257" r:id="rId8"/>
-    <p:sldId id="258" r:id="rId9"/>
-    <p:sldId id="259" r:id="rId10"/>
-    <p:sldId id="260" r:id="rId11"/>
-    <p:sldId id="261" r:id="rId12"/>
+    <p:sldId id="256" r:id="rId2"/>
+    <p:sldId id="257" r:id="rId3"/>
+    <p:sldId id="258" r:id="rId4"/>
+    <p:sldId id="259" r:id="rId5"/>
+    <p:sldId id="260" r:id="rId6"/>
+    <p:sldId id="261" r:id="rId7"/>
   </p:sldIdLst>
   <p:sldSz cx="9144000" cy="6858000" type="screen4x3"/>
   <p:notesSz cx="6858000" cy="9144000"/>
@@ -109,6 +109,22 @@
       </a:defRPr>
     </a:lvl9pPr>
   </p:defaultTextStyle>
+  <p:extLst>
+    <p:ext uri="{EFAFB233-063F-42B5-8137-9DF3F51BA10A}">
+      <p15:sldGuideLst xmlns:p15="http://schemas.microsoft.com/office/powerpoint/2012/main">
+        <p15:guide id="1" orient="horz" pos="2160">
+          <p15:clr>
+            <a:srgbClr val="A4A3A4"/>
+          </p15:clr>
+        </p15:guide>
+        <p15:guide id="2" pos="2880">
+          <p15:clr>
+            <a:srgbClr val="A4A3A4"/>
+          </p15:clr>
+        </p15:guide>
+      </p15:sldGuideLst>
+    </p:ext>
+  </p:extLst>
 </p:presentation>
 </file>
 
@@ -150,10 +166,9 @@
           <a:lstStyle/>
           <a:p>
             <a:r>
-              <a:rPr lang="en-US" smtClean="0"/>
+              <a:rPr lang="en-US"/>
               <a:t>Click to edit Master title style</a:t>
             </a:r>
-            <a:endParaRPr lang="en-US"/>
           </a:p>
         </p:txBody>
       </p:sp>
@@ -269,10 +284,9 @@
           </a:lstStyle>
           <a:p>
             <a:r>
-              <a:rPr lang="en-US" smtClean="0"/>
+              <a:rPr lang="en-US"/>
               <a:t>Click to edit Master subtitle style</a:t>
             </a:r>
-            <a:endParaRPr lang="en-US"/>
           </a:p>
         </p:txBody>
       </p:sp>
@@ -293,7 +307,7 @@
           <a:p>
             <a:fld id="{5BCAD085-E8A6-8845-BD4E-CB4CCA059FC4}" type="datetimeFigureOut">
               <a:rPr lang="en-US" smtClean="0"/>
-              <a:t>1/27/13</a:t>
+              <a:t>5/12/2025</a:t>
             </a:fld>
             <a:endParaRPr lang="en-US"/>
           </a:p>
@@ -387,10 +401,9 @@
           <a:lstStyle/>
           <a:p>
             <a:r>
-              <a:rPr lang="en-US" smtClean="0"/>
+              <a:rPr lang="en-US"/>
               <a:t>Click to edit Master title style</a:t>
             </a:r>
-            <a:endParaRPr lang="en-US"/>
           </a:p>
         </p:txBody>
       </p:sp>
@@ -411,38 +424,37 @@
           <a:p>
             <a:pPr lvl="0"/>
             <a:r>
-              <a:rPr lang="en-US" smtClean="0"/>
+              <a:rPr lang="en-US"/>
               <a:t>Click to edit Master text styles</a:t>
             </a:r>
           </a:p>
           <a:p>
             <a:pPr lvl="1"/>
             <a:r>
-              <a:rPr lang="en-US" smtClean="0"/>
+              <a:rPr lang="en-US"/>
               <a:t>Second level</a:t>
             </a:r>
           </a:p>
           <a:p>
             <a:pPr lvl="2"/>
             <a:r>
-              <a:rPr lang="en-US" smtClean="0"/>
+              <a:rPr lang="en-US"/>
               <a:t>Third level</a:t>
             </a:r>
           </a:p>
           <a:p>
             <a:pPr lvl="3"/>
             <a:r>
-              <a:rPr lang="en-US" smtClean="0"/>
+              <a:rPr lang="en-US"/>
               <a:t>Fourth level</a:t>
             </a:r>
           </a:p>
           <a:p>
             <a:pPr lvl="4"/>
             <a:r>
-              <a:rPr lang="en-US" smtClean="0"/>
+              <a:rPr lang="en-US"/>
               <a:t>Fifth level</a:t>
             </a:r>
-            <a:endParaRPr lang="en-US"/>
           </a:p>
         </p:txBody>
       </p:sp>
@@ -463,7 +475,7 @@
           <a:p>
             <a:fld id="{5BCAD085-E8A6-8845-BD4E-CB4CCA059FC4}" type="datetimeFigureOut">
               <a:rPr lang="en-US" smtClean="0"/>
-              <a:t>1/27/13</a:t>
+              <a:t>5/12/2025</a:t>
             </a:fld>
             <a:endParaRPr lang="en-US"/>
           </a:p>
@@ -562,10 +574,9 @@
           <a:lstStyle/>
           <a:p>
             <a:r>
-              <a:rPr lang="en-US" smtClean="0"/>
+              <a:rPr lang="en-US"/>
               <a:t>Click to edit Master title style</a:t>
             </a:r>
-            <a:endParaRPr lang="en-US"/>
           </a:p>
         </p:txBody>
       </p:sp>
@@ -591,38 +602,37 @@
           <a:p>
             <a:pPr lvl="0"/>
             <a:r>
-              <a:rPr lang="en-US" smtClean="0"/>
+              <a:rPr lang="en-US"/>
               <a:t>Click to edit Master text styles</a:t>
             </a:r>
           </a:p>
           <a:p>
             <a:pPr lvl="1"/>
             <a:r>
-              <a:rPr lang="en-US" smtClean="0"/>
+              <a:rPr lang="en-US"/>
               <a:t>Second level</a:t>
             </a:r>
           </a:p>
           <a:p>
             <a:pPr lvl="2"/>
             <a:r>
-              <a:rPr lang="en-US" smtClean="0"/>
+              <a:rPr lang="en-US"/>
               <a:t>Third level</a:t>
             </a:r>
           </a:p>
           <a:p>
             <a:pPr lvl="3"/>
             <a:r>
-              <a:rPr lang="en-US" smtClean="0"/>
+              <a:rPr lang="en-US"/>
               <a:t>Fourth level</a:t>
             </a:r>
           </a:p>
           <a:p>
             <a:pPr lvl="4"/>
             <a:r>
-              <a:rPr lang="en-US" smtClean="0"/>
+              <a:rPr lang="en-US"/>
               <a:t>Fifth level</a:t>
             </a:r>
-            <a:endParaRPr lang="en-US"/>
           </a:p>
         </p:txBody>
       </p:sp>
@@ -643,7 +653,7 @@
           <a:p>
             <a:fld id="{5BCAD085-E8A6-8845-BD4E-CB4CCA059FC4}" type="datetimeFigureOut">
               <a:rPr lang="en-US" smtClean="0"/>
-              <a:t>1/27/13</a:t>
+              <a:t>5/12/2025</a:t>
             </a:fld>
             <a:endParaRPr lang="en-US"/>
           </a:p>
@@ -737,10 +747,9 @@
           <a:lstStyle/>
           <a:p>
             <a:r>
-              <a:rPr lang="en-US" smtClean="0"/>
+              <a:rPr lang="en-US"/>
               <a:t>Click to edit Master title style</a:t>
             </a:r>
-            <a:endParaRPr lang="en-US"/>
           </a:p>
         </p:txBody>
       </p:sp>
@@ -761,38 +770,37 @@
           <a:p>
             <a:pPr lvl="0"/>
             <a:r>
-              <a:rPr lang="en-US" smtClean="0"/>
+              <a:rPr lang="en-US"/>
               <a:t>Click to edit Master text styles</a:t>
             </a:r>
           </a:p>
           <a:p>
             <a:pPr lvl="1"/>
             <a:r>
-              <a:rPr lang="en-US" smtClean="0"/>
+              <a:rPr lang="en-US"/>
               <a:t>Second level</a:t>
             </a:r>
           </a:p>
           <a:p>
             <a:pPr lvl="2"/>
             <a:r>
-              <a:rPr lang="en-US" smtClean="0"/>
+              <a:rPr lang="en-US"/>
               <a:t>Third level</a:t>
             </a:r>
           </a:p>
           <a:p>
             <a:pPr lvl="3"/>
             <a:r>
-              <a:rPr lang="en-US" smtClean="0"/>
+              <a:rPr lang="en-US"/>
               <a:t>Fourth level</a:t>
             </a:r>
           </a:p>
           <a:p>
             <a:pPr lvl="4"/>
             <a:r>
-              <a:rPr lang="en-US" smtClean="0"/>
+              <a:rPr lang="en-US"/>
               <a:t>Fifth level</a:t>
             </a:r>
-            <a:endParaRPr lang="en-US"/>
           </a:p>
         </p:txBody>
       </p:sp>
@@ -813,7 +821,7 @@
           <a:p>
             <a:fld id="{5BCAD085-E8A6-8845-BD4E-CB4CCA059FC4}" type="datetimeFigureOut">
               <a:rPr lang="en-US" smtClean="0"/>
-              <a:t>1/27/13</a:t>
+              <a:t>5/12/2025</a:t>
             </a:fld>
             <a:endParaRPr lang="en-US"/>
           </a:p>
@@ -916,10 +924,9 @@
           </a:lstStyle>
           <a:p>
             <a:r>
-              <a:rPr lang="en-US" smtClean="0"/>
+              <a:rPr lang="en-US"/>
               <a:t>Click to edit Master title style</a:t>
             </a:r>
-            <a:endParaRPr lang="en-US"/>
           </a:p>
         </p:txBody>
       </p:sp>
@@ -1036,7 +1043,7 @@
           <a:p>
             <a:pPr lvl="0"/>
             <a:r>
-              <a:rPr lang="en-US" smtClean="0"/>
+              <a:rPr lang="en-US"/>
               <a:t>Click to edit Master text styles</a:t>
             </a:r>
           </a:p>
@@ -1059,7 +1066,7 @@
           <a:p>
             <a:fld id="{5BCAD085-E8A6-8845-BD4E-CB4CCA059FC4}" type="datetimeFigureOut">
               <a:rPr lang="en-US" smtClean="0"/>
-              <a:t>1/27/13</a:t>
+              <a:t>5/12/2025</a:t>
             </a:fld>
             <a:endParaRPr lang="en-US"/>
           </a:p>
@@ -1153,10 +1160,9 @@
           <a:lstStyle/>
           <a:p>
             <a:r>
-              <a:rPr lang="en-US" smtClean="0"/>
+              <a:rPr lang="en-US"/>
               <a:t>Click to edit Master title style</a:t>
             </a:r>
-            <a:endParaRPr lang="en-US"/>
           </a:p>
         </p:txBody>
       </p:sp>
@@ -1210,38 +1216,37 @@
           <a:p>
             <a:pPr lvl="0"/>
             <a:r>
-              <a:rPr lang="en-US" smtClean="0"/>
+              <a:rPr lang="en-US"/>
               <a:t>Click to edit Master text styles</a:t>
             </a:r>
           </a:p>
           <a:p>
             <a:pPr lvl="1"/>
             <a:r>
-              <a:rPr lang="en-US" smtClean="0"/>
+              <a:rPr lang="en-US"/>
               <a:t>Second level</a:t>
             </a:r>
           </a:p>
           <a:p>
             <a:pPr lvl="2"/>
             <a:r>
-              <a:rPr lang="en-US" smtClean="0"/>
+              <a:rPr lang="en-US"/>
               <a:t>Third level</a:t>
             </a:r>
           </a:p>
           <a:p>
             <a:pPr lvl="3"/>
             <a:r>
-              <a:rPr lang="en-US" smtClean="0"/>
+              <a:rPr lang="en-US"/>
               <a:t>Fourth level</a:t>
             </a:r>
           </a:p>
           <a:p>
             <a:pPr lvl="4"/>
             <a:r>
-              <a:rPr lang="en-US" smtClean="0"/>
+              <a:rPr lang="en-US"/>
               <a:t>Fifth level</a:t>
             </a:r>
-            <a:endParaRPr lang="en-US"/>
           </a:p>
         </p:txBody>
       </p:sp>
@@ -1295,38 +1300,37 @@
           <a:p>
             <a:pPr lvl="0"/>
             <a:r>
-              <a:rPr lang="en-US" smtClean="0"/>
+              <a:rPr lang="en-US"/>
               <a:t>Click to edit Master text styles</a:t>
             </a:r>
           </a:p>
           <a:p>
             <a:pPr lvl="1"/>
             <a:r>
-              <a:rPr lang="en-US" smtClean="0"/>
+              <a:rPr lang="en-US"/>
               <a:t>Second level</a:t>
             </a:r>
           </a:p>
           <a:p>
             <a:pPr lvl="2"/>
             <a:r>
-              <a:rPr lang="en-US" smtClean="0"/>
+              <a:rPr lang="en-US"/>
               <a:t>Third level</a:t>
             </a:r>
           </a:p>
           <a:p>
             <a:pPr lvl="3"/>
             <a:r>
-              <a:rPr lang="en-US" smtClean="0"/>
+              <a:rPr lang="en-US"/>
               <a:t>Fourth level</a:t>
             </a:r>
           </a:p>
           <a:p>
             <a:pPr lvl="4"/>
             <a:r>
-              <a:rPr lang="en-US" smtClean="0"/>
+              <a:rPr lang="en-US"/>
               <a:t>Fifth level</a:t>
             </a:r>
-            <a:endParaRPr lang="en-US"/>
           </a:p>
         </p:txBody>
       </p:sp>
@@ -1347,7 +1351,7 @@
           <a:p>
             <a:fld id="{5BCAD085-E8A6-8845-BD4E-CB4CCA059FC4}" type="datetimeFigureOut">
               <a:rPr lang="en-US" smtClean="0"/>
-              <a:t>1/27/13</a:t>
+              <a:t>5/12/2025</a:t>
             </a:fld>
             <a:endParaRPr lang="en-US"/>
           </a:p>
@@ -1445,10 +1449,9 @@
           </a:lstStyle>
           <a:p>
             <a:r>
-              <a:rPr lang="en-US" smtClean="0"/>
+              <a:rPr lang="en-US"/>
               <a:t>Click to edit Master title style</a:t>
             </a:r>
-            <a:endParaRPr lang="en-US"/>
           </a:p>
         </p:txBody>
       </p:sp>
@@ -1511,7 +1514,7 @@
           <a:p>
             <a:pPr lvl="0"/>
             <a:r>
-              <a:rPr lang="en-US" smtClean="0"/>
+              <a:rPr lang="en-US"/>
               <a:t>Click to edit Master text styles</a:t>
             </a:r>
           </a:p>
@@ -1567,38 +1570,37 @@
           <a:p>
             <a:pPr lvl="0"/>
             <a:r>
-              <a:rPr lang="en-US" smtClean="0"/>
+              <a:rPr lang="en-US"/>
               <a:t>Click to edit Master text styles</a:t>
             </a:r>
           </a:p>
           <a:p>
             <a:pPr lvl="1"/>
             <a:r>
-              <a:rPr lang="en-US" smtClean="0"/>
+              <a:rPr lang="en-US"/>
               <a:t>Second level</a:t>
             </a:r>
           </a:p>
           <a:p>
             <a:pPr lvl="2"/>
             <a:r>
-              <a:rPr lang="en-US" smtClean="0"/>
+              <a:rPr lang="en-US"/>
               <a:t>Third level</a:t>
             </a:r>
           </a:p>
           <a:p>
             <a:pPr lvl="3"/>
             <a:r>
-              <a:rPr lang="en-US" smtClean="0"/>
+              <a:rPr lang="en-US"/>
               <a:t>Fourth level</a:t>
             </a:r>
           </a:p>
           <a:p>
             <a:pPr lvl="4"/>
             <a:r>
-              <a:rPr lang="en-US" smtClean="0"/>
+              <a:rPr lang="en-US"/>
               <a:t>Fifth level</a:t>
             </a:r>
-            <a:endParaRPr lang="en-US"/>
           </a:p>
         </p:txBody>
       </p:sp>
@@ -1661,7 +1663,7 @@
           <a:p>
             <a:pPr lvl="0"/>
             <a:r>
-              <a:rPr lang="en-US" smtClean="0"/>
+              <a:rPr lang="en-US"/>
               <a:t>Click to edit Master text styles</a:t>
             </a:r>
           </a:p>
@@ -1717,38 +1719,37 @@
           <a:p>
             <a:pPr lvl="0"/>
             <a:r>
-              <a:rPr lang="en-US" smtClean="0"/>
+              <a:rPr lang="en-US"/>
               <a:t>Click to edit Master text styles</a:t>
             </a:r>
           </a:p>
           <a:p>
             <a:pPr lvl="1"/>
             <a:r>
-              <a:rPr lang="en-US" smtClean="0"/>
+              <a:rPr lang="en-US"/>
               <a:t>Second level</a:t>
             </a:r>
           </a:p>
           <a:p>
             <a:pPr lvl="2"/>
             <a:r>
-              <a:rPr lang="en-US" smtClean="0"/>
+              <a:rPr lang="en-US"/>
               <a:t>Third level</a:t>
             </a:r>
           </a:p>
           <a:p>
             <a:pPr lvl="3"/>
             <a:r>
-              <a:rPr lang="en-US" smtClean="0"/>
+              <a:rPr lang="en-US"/>
               <a:t>Fourth level</a:t>
             </a:r>
           </a:p>
           <a:p>
             <a:pPr lvl="4"/>
             <a:r>
-              <a:rPr lang="en-US" smtClean="0"/>
+              <a:rPr lang="en-US"/>
               <a:t>Fifth level</a:t>
             </a:r>
-            <a:endParaRPr lang="en-US"/>
           </a:p>
         </p:txBody>
       </p:sp>
@@ -1769,7 +1770,7 @@
           <a:p>
             <a:fld id="{5BCAD085-E8A6-8845-BD4E-CB4CCA059FC4}" type="datetimeFigureOut">
               <a:rPr lang="en-US" smtClean="0"/>
-              <a:t>1/27/13</a:t>
+              <a:t>5/12/2025</a:t>
             </a:fld>
             <a:endParaRPr lang="en-US"/>
           </a:p>
@@ -1863,10 +1864,9 @@
           <a:lstStyle/>
           <a:p>
             <a:r>
-              <a:rPr lang="en-US" smtClean="0"/>
+              <a:rPr lang="en-US"/>
               <a:t>Click to edit Master title style</a:t>
             </a:r>
-            <a:endParaRPr lang="en-US"/>
           </a:p>
         </p:txBody>
       </p:sp>
@@ -1887,7 +1887,7 @@
           <a:p>
             <a:fld id="{5BCAD085-E8A6-8845-BD4E-CB4CCA059FC4}" type="datetimeFigureOut">
               <a:rPr lang="en-US" smtClean="0"/>
-              <a:t>1/27/13</a:t>
+              <a:t>5/12/2025</a:t>
             </a:fld>
             <a:endParaRPr lang="en-US"/>
           </a:p>
@@ -1982,7 +1982,7 @@
           <a:p>
             <a:fld id="{5BCAD085-E8A6-8845-BD4E-CB4CCA059FC4}" type="datetimeFigureOut">
               <a:rPr lang="en-US" smtClean="0"/>
-              <a:t>1/27/13</a:t>
+              <a:t>5/12/2025</a:t>
             </a:fld>
             <a:endParaRPr lang="en-US"/>
           </a:p>
@@ -2085,10 +2085,9 @@
           </a:lstStyle>
           <a:p>
             <a:r>
-              <a:rPr lang="en-US" smtClean="0"/>
+              <a:rPr lang="en-US"/>
               <a:t>Click to edit Master title style</a:t>
             </a:r>
-            <a:endParaRPr lang="en-US"/>
           </a:p>
         </p:txBody>
       </p:sp>
@@ -2142,38 +2141,37 @@
           <a:p>
             <a:pPr lvl="0"/>
             <a:r>
-              <a:rPr lang="en-US" smtClean="0"/>
+              <a:rPr lang="en-US"/>
               <a:t>Click to edit Master text styles</a:t>
             </a:r>
           </a:p>
           <a:p>
             <a:pPr lvl="1"/>
             <a:r>
-              <a:rPr lang="en-US" smtClean="0"/>
+              <a:rPr lang="en-US"/>
               <a:t>Second level</a:t>
             </a:r>
           </a:p>
           <a:p>
             <a:pPr lvl="2"/>
             <a:r>
-              <a:rPr lang="en-US" smtClean="0"/>
+              <a:rPr lang="en-US"/>
               <a:t>Third level</a:t>
             </a:r>
           </a:p>
           <a:p>
             <a:pPr lvl="3"/>
             <a:r>
-              <a:rPr lang="en-US" smtClean="0"/>
+              <a:rPr lang="en-US"/>
               <a:t>Fourth level</a:t>
             </a:r>
           </a:p>
           <a:p>
             <a:pPr lvl="4"/>
             <a:r>
-              <a:rPr lang="en-US" smtClean="0"/>
+              <a:rPr lang="en-US"/>
               <a:t>Fifth level</a:t>
             </a:r>
-            <a:endParaRPr lang="en-US"/>
           </a:p>
         </p:txBody>
       </p:sp>
@@ -2236,7 +2234,7 @@
           <a:p>
             <a:pPr lvl="0"/>
             <a:r>
-              <a:rPr lang="en-US" smtClean="0"/>
+              <a:rPr lang="en-US"/>
               <a:t>Click to edit Master text styles</a:t>
             </a:r>
           </a:p>
@@ -2259,7 +2257,7 @@
           <a:p>
             <a:fld id="{5BCAD085-E8A6-8845-BD4E-CB4CCA059FC4}" type="datetimeFigureOut">
               <a:rPr lang="en-US" smtClean="0"/>
-              <a:t>1/27/13</a:t>
+              <a:t>5/12/2025</a:t>
             </a:fld>
             <a:endParaRPr lang="en-US"/>
           </a:p>
@@ -2362,10 +2360,9 @@
           </a:lstStyle>
           <a:p>
             <a:r>
-              <a:rPr lang="en-US" smtClean="0"/>
+              <a:rPr lang="en-US"/>
               <a:t>Click to edit Master title style</a:t>
             </a:r>
-            <a:endParaRPr lang="en-US"/>
           </a:p>
         </p:txBody>
       </p:sp>
@@ -2489,7 +2486,7 @@
           <a:p>
             <a:pPr lvl="0"/>
             <a:r>
-              <a:rPr lang="en-US" smtClean="0"/>
+              <a:rPr lang="en-US"/>
               <a:t>Click to edit Master text styles</a:t>
             </a:r>
           </a:p>
@@ -2512,7 +2509,7 @@
           <a:p>
             <a:fld id="{5BCAD085-E8A6-8845-BD4E-CB4CCA059FC4}" type="datetimeFigureOut">
               <a:rPr lang="en-US" smtClean="0"/>
-              <a:t>1/27/13</a:t>
+              <a:t>5/12/2025</a:t>
             </a:fld>
             <a:endParaRPr lang="en-US"/>
           </a:p>
@@ -2621,10 +2618,9 @@
           <a:lstStyle/>
           <a:p>
             <a:r>
-              <a:rPr lang="en-US" smtClean="0"/>
+              <a:rPr lang="en-US"/>
               <a:t>Click to edit Master title style</a:t>
             </a:r>
-            <a:endParaRPr lang="en-US"/>
           </a:p>
         </p:txBody>
       </p:sp>
@@ -2655,38 +2651,37 @@
           <a:p>
             <a:pPr lvl="0"/>
             <a:r>
-              <a:rPr lang="en-US" smtClean="0"/>
+              <a:rPr lang="en-US"/>
               <a:t>Click to edit Master text styles</a:t>
             </a:r>
           </a:p>
           <a:p>
             <a:pPr lvl="1"/>
             <a:r>
-              <a:rPr lang="en-US" smtClean="0"/>
+              <a:rPr lang="en-US"/>
               <a:t>Second level</a:t>
             </a:r>
           </a:p>
           <a:p>
             <a:pPr lvl="2"/>
             <a:r>
-              <a:rPr lang="en-US" smtClean="0"/>
+              <a:rPr lang="en-US"/>
               <a:t>Third level</a:t>
             </a:r>
           </a:p>
           <a:p>
             <a:pPr lvl="3"/>
             <a:r>
-              <a:rPr lang="en-US" smtClean="0"/>
+              <a:rPr lang="en-US"/>
               <a:t>Fourth level</a:t>
             </a:r>
           </a:p>
           <a:p>
             <a:pPr lvl="4"/>
             <a:r>
-              <a:rPr lang="en-US" smtClean="0"/>
+              <a:rPr lang="en-US"/>
               <a:t>Fifth level</a:t>
             </a:r>
-            <a:endParaRPr lang="en-US"/>
           </a:p>
         </p:txBody>
       </p:sp>
@@ -2725,7 +2720,7 @@
           <a:p>
             <a:fld id="{5BCAD085-E8A6-8845-BD4E-CB4CCA059FC4}" type="datetimeFigureOut">
               <a:rPr lang="en-US" smtClean="0"/>
-              <a:t>1/27/13</a:t>
+              <a:t>5/12/2025</a:t>
             </a:fld>
             <a:endParaRPr lang="en-US"/>
           </a:p>
@@ -3084,7 +3079,7 @@
 </file>
 
 <file path=ppt/slides/slide1.xml><?xml version="1.0" encoding="utf-8"?>
-<p:sld xmlns:a="http://schemas.openxmlformats.org/drawingml/2006/main" xmlns:p="http://schemas.openxmlformats.org/presentationml/2006/main" xmlns:r="http://schemas.openxmlformats.org/officeDocument/2006/relationships">
+<p:sld xmlns:a="http://schemas.openxmlformats.org/drawingml/2006/main" xmlns:r="http://schemas.openxmlformats.org/officeDocument/2006/relationships" xmlns:p="http://schemas.openxmlformats.org/presentationml/2006/main">
   <p:cSld>
     <p:spTree>
       <p:nvGrpSpPr>
@@ -3092,7 +3087,14 @@
         <p:cNvGrpSpPr/>
         <p:nvPr/>
       </p:nvGrpSpPr>
-      <p:grpSpPr/>
+      <p:grpSpPr>
+        <a:xfrm>
+          <a:off x="0" y="0"/>
+          <a:ext cx="0" cy="0"/>
+          <a:chOff x="0" y="0"/>
+          <a:chExt cx="0" cy="0"/>
+        </a:xfrm>
+      </p:grpSpPr>
       <p:sp>
         <p:nvSpPr>
           <p:cNvPr id="2" name="Title 1"/>
@@ -3149,7 +3151,7 @@
 </file>
 
 <file path=ppt/slides/slide2.xml><?xml version="1.0" encoding="utf-8"?>
-<p:sld xmlns:a="http://schemas.openxmlformats.org/drawingml/2006/main" xmlns:p="http://schemas.openxmlformats.org/presentationml/2006/main" xmlns:r="http://schemas.openxmlformats.org/officeDocument/2006/relationships">
+<p:sld xmlns:a="http://schemas.openxmlformats.org/drawingml/2006/main" xmlns:r="http://schemas.openxmlformats.org/officeDocument/2006/relationships" xmlns:p="http://schemas.openxmlformats.org/presentationml/2006/main">
   <p:cSld>
     <p:spTree>
       <p:nvGrpSpPr>
@@ -3157,7 +3159,14 @@
         <p:cNvGrpSpPr/>
         <p:nvPr/>
       </p:nvGrpSpPr>
-      <p:grpSpPr/>
+      <p:grpSpPr>
+        <a:xfrm>
+          <a:off x="0" y="0"/>
+          <a:ext cx="0" cy="0"/>
+          <a:chOff x="0" y="0"/>
+          <a:chExt cx="0" cy="0"/>
+        </a:xfrm>
+      </p:grpSpPr>
       <p:sp>
         <p:nvSpPr>
           <p:cNvPr id="2" name="Title 1"/>
@@ -3191,45 +3200,80 @@
         </p:nvSpPr>
         <p:spPr/>
         <p:txBody>
-          <a:bodyPr/>
-          <a:lstStyle/>
-          <a:p>
-            <a:r>
+          <a:bodyPr>
+            <a:normAutofit fontScale="85000" lnSpcReduction="10000"/>
+          </a:bodyPr>
+          <a:lstStyle/>
+          <a:p>
+            <a:pPr marL="0" indent="0">
+              <a:buNone/>
+            </a:pPr>
+            <a:r>
+              <a:rPr dirty="0"/>
               <a:t>• Compare swarm intelligence algorithms for robotic path planning</a:t>
             </a:r>
           </a:p>
           <a:p>
-            <a:r>
+            <a:pPr marL="0" indent="0">
+              <a:buNone/>
+            </a:pPr>
+            <a:r>
+              <a:rPr dirty="0"/>
               <a:t>• Evaluate performance metrics:</a:t>
             </a:r>
           </a:p>
           <a:p>
-            <a:r>
+            <a:pPr marL="0" indent="0">
+              <a:buNone/>
+            </a:pPr>
+            <a:r>
+              <a:rPr dirty="0"/>
               <a:t>  - Path optimality</a:t>
             </a:r>
-          </a:p>
-          <a:p>
-            <a:r>
+            <a:endParaRPr lang="en-US" dirty="0"/>
+          </a:p>
+          <a:p>
+            <a:pPr marL="0" indent="0">
+              <a:buNone/>
+            </a:pPr>
+            <a:r>
+              <a:rPr lang="en-US" dirty="0"/>
               <a:t>  - Convergence speed</a:t>
             </a:r>
           </a:p>
           <a:p>
-            <a:r>
+            <a:pPr marL="0" indent="0">
+              <a:buNone/>
+            </a:pPr>
+            <a:r>
+              <a:rPr dirty="0"/>
               <a:t>  - Scalability</a:t>
             </a:r>
           </a:p>
           <a:p>
-            <a:r>
+            <a:pPr marL="0" indent="0">
+              <a:buNone/>
+            </a:pPr>
+            <a:r>
+              <a:rPr dirty="0"/>
               <a:t>• Develop visualization system for algorithm behavior</a:t>
             </a:r>
           </a:p>
           <a:p>
-            <a:r>
+            <a:pPr marL="0" indent="0">
+              <a:buNone/>
+            </a:pPr>
+            <a:r>
+              <a:rPr dirty="0"/>
               <a:t>• Optimize hyperparameters for maze navigation</a:t>
             </a:r>
           </a:p>
           <a:p>
-            <a:r>
+            <a:pPr marL="0" indent="0">
+              <a:buNone/>
+            </a:pPr>
+            <a:r>
+              <a:rPr dirty="0"/>
               <a:t>• Provide benchmark results for real-world applications</a:t>
             </a:r>
           </a:p>
@@ -3244,7 +3288,7 @@
 </file>
 
 <file path=ppt/slides/slide3.xml><?xml version="1.0" encoding="utf-8"?>
-<p:sld xmlns:a="http://schemas.openxmlformats.org/drawingml/2006/main" xmlns:p="http://schemas.openxmlformats.org/presentationml/2006/main" xmlns:r="http://schemas.openxmlformats.org/officeDocument/2006/relationships">
+<p:sld xmlns:a="http://schemas.openxmlformats.org/drawingml/2006/main" xmlns:r="http://schemas.openxmlformats.org/officeDocument/2006/relationships" xmlns:p="http://schemas.openxmlformats.org/presentationml/2006/main">
   <p:cSld>
     <p:spTree>
       <p:nvGrpSpPr>
@@ -3252,7 +3296,14 @@
         <p:cNvGrpSpPr/>
         <p:nvPr/>
       </p:nvGrpSpPr>
-      <p:grpSpPr/>
+      <p:grpSpPr>
+        <a:xfrm>
+          <a:off x="0" y="0"/>
+          <a:ext cx="0" cy="0"/>
+          <a:chOff x="0" y="0"/>
+          <a:chExt cx="0" cy="0"/>
+        </a:xfrm>
+      </p:grpSpPr>
       <p:sp>
         <p:nvSpPr>
           <p:cNvPr id="2" name="Title 1"/>
@@ -3288,7 +3339,9 @@
         <p:txBody>
           <a:bodyPr/>
           <a:lstStyle/>
-          <a:p/>
+          <a:p>
+            <a:endParaRPr dirty="0"/>
+          </a:p>
         </p:txBody>
       </p:sp>
       <p:graphicFrame>
@@ -3297,11 +3350,17 @@
           <p:cNvGraphicFramePr>
             <a:graphicFrameLocks noGrp="1"/>
           </p:cNvGraphicFramePr>
-          <p:nvPr/>
+          <p:nvPr>
+            <p:extLst>
+              <p:ext uri="{D42A27DB-BD31-4B8C-83A1-F6EECF244321}">
+                <p14:modId xmlns:p14="http://schemas.microsoft.com/office/powerpoint/2010/main" val="1608054834"/>
+              </p:ext>
+            </p:extLst>
+          </p:nvPr>
         </p:nvGraphicFramePr>
         <p:xfrm>
-          <a:off x="914400" y="1371600"/>
-          <a:ext cx="7315200" cy="3657600"/>
+          <a:off x="457200" y="1600200"/>
+          <a:ext cx="8229600" cy="4608576"/>
         </p:xfrm>
         <a:graphic>
           <a:graphicData uri="http://schemas.openxmlformats.org/drawingml/2006/table">
@@ -3310,11 +3369,29 @@
                 <a:tableStyleId>{5C22544A-7EE6-4342-B048-85BDC9FD1C3A}</a:tableStyleId>
               </a:tblPr>
               <a:tblGrid>
-                <a:gridCol w="2438400"/>
-                <a:gridCol w="2438400"/>
-                <a:gridCol w="2438400"/>
+                <a:gridCol w="2743200">
+                  <a:extLst>
+                    <a:ext uri="{9D8B030D-6E8A-4147-A177-3AD203B41FA5}">
+                      <a16:colId xmlns:a16="http://schemas.microsoft.com/office/drawing/2014/main" val="20000"/>
+                    </a:ext>
+                  </a:extLst>
+                </a:gridCol>
+                <a:gridCol w="2743200">
+                  <a:extLst>
+                    <a:ext uri="{9D8B030D-6E8A-4147-A177-3AD203B41FA5}">
+                      <a16:colId xmlns:a16="http://schemas.microsoft.com/office/drawing/2014/main" val="20001"/>
+                    </a:ext>
+                  </a:extLst>
+                </a:gridCol>
+                <a:gridCol w="2743200">
+                  <a:extLst>
+                    <a:ext uri="{9D8B030D-6E8A-4147-A177-3AD203B41FA5}">
+                      <a16:colId xmlns:a16="http://schemas.microsoft.com/office/drawing/2014/main" val="20002"/>
+                    </a:ext>
+                  </a:extLst>
+                </a:gridCol>
               </a:tblGrid>
-              <a:tr h="914400">
+              <a:tr h="1152144">
                 <a:tc>
                   <a:txBody>
                     <a:bodyPr/>
@@ -3363,8 +3440,13 @@
                     </a:solidFill>
                   </a:tcPr>
                 </a:tc>
+                <a:extLst>
+                  <a:ext uri="{0D108BD9-81ED-4DB2-BD59-A6C34878D82A}">
+                    <a16:rowId xmlns:a16="http://schemas.microsoft.com/office/drawing/2014/main" val="10000"/>
+                  </a:ext>
+                </a:extLst>
               </a:tr>
-              <a:tr h="914400">
+              <a:tr h="1152144">
                 <a:tc>
                   <a:txBody>
                     <a:bodyPr/>
@@ -3383,6 +3465,7 @@
                     <a:lstStyle/>
                     <a:p>
                       <a:r>
+                        <a:rPr dirty="0"/>
                         <a:t>Ant Colony Pheromones</a:t>
                       </a:r>
                     </a:p>
@@ -3401,8 +3484,13 @@
                   </a:txBody>
                   <a:tcPr/>
                 </a:tc>
+                <a:extLst>
+                  <a:ext uri="{0D108BD9-81ED-4DB2-BD59-A6C34878D82A}">
+                    <a16:rowId xmlns:a16="http://schemas.microsoft.com/office/drawing/2014/main" val="10001"/>
+                  </a:ext>
+                </a:extLst>
               </a:tr>
-              <a:tr h="914400">
+              <a:tr h="1152144">
                 <a:tc>
                   <a:txBody>
                     <a:bodyPr/>
@@ -3451,8 +3539,13 @@
                     </a:solidFill>
                   </a:tcPr>
                 </a:tc>
+                <a:extLst>
+                  <a:ext uri="{0D108BD9-81ED-4DB2-BD59-A6C34878D82A}">
+                    <a16:rowId xmlns:a16="http://schemas.microsoft.com/office/drawing/2014/main" val="10002"/>
+                  </a:ext>
+                </a:extLst>
               </a:tr>
-              <a:tr h="914400">
+              <a:tr h="1152144">
                 <a:tc>
                   <a:txBody>
                     <a:bodyPr/>
@@ -3483,12 +3576,18 @@
                     <a:lstStyle/>
                     <a:p>
                       <a:r>
+                        <a:rPr dirty="0"/>
                         <a:t>Exploration/Exploitation balance</a:t>
                       </a:r>
                     </a:p>
                   </a:txBody>
                   <a:tcPr/>
                 </a:tc>
+                <a:extLst>
+                  <a:ext uri="{0D108BD9-81ED-4DB2-BD59-A6C34878D82A}">
+                    <a16:rowId xmlns:a16="http://schemas.microsoft.com/office/drawing/2014/main" val="10003"/>
+                  </a:ext>
+                </a:extLst>
               </a:tr>
             </a:tbl>
           </a:graphicData>
@@ -3503,7 +3602,7 @@
 </file>
 
 <file path=ppt/slides/slide4.xml><?xml version="1.0" encoding="utf-8"?>
-<p:sld xmlns:a="http://schemas.openxmlformats.org/drawingml/2006/main" xmlns:p="http://schemas.openxmlformats.org/presentationml/2006/main" xmlns:r="http://schemas.openxmlformats.org/officeDocument/2006/relationships">
+<p:sld xmlns:a="http://schemas.openxmlformats.org/drawingml/2006/main" xmlns:r="http://schemas.openxmlformats.org/officeDocument/2006/relationships" xmlns:p="http://schemas.openxmlformats.org/presentationml/2006/main">
   <p:cSld>
     <p:spTree>
       <p:nvGrpSpPr>
@@ -3511,7 +3610,14 @@
         <p:cNvGrpSpPr/>
         <p:nvPr/>
       </p:nvGrpSpPr>
-      <p:grpSpPr/>
+      <p:grpSpPr>
+        <a:xfrm>
+          <a:off x="0" y="0"/>
+          <a:ext cx="0" cy="0"/>
+          <a:chOff x="0" y="0"/>
+          <a:chExt cx="0" cy="0"/>
+        </a:xfrm>
+      </p:grpSpPr>
       <p:sp>
         <p:nvSpPr>
           <p:cNvPr id="2" name="Title 1"/>
@@ -3548,32 +3654,56 @@
           <a:bodyPr/>
           <a:lstStyle/>
           <a:p>
-            <a:r>
+            <a:pPr marL="0" indent="0">
+              <a:buNone/>
+            </a:pPr>
+            <a:r>
+              <a:rPr dirty="0"/>
               <a:t>✓ Real-time algorithm visualization</a:t>
             </a:r>
           </a:p>
           <a:p>
-            <a:r>
+            <a:pPr marL="0" indent="0">
+              <a:buNone/>
+            </a:pPr>
+            <a:r>
+              <a:rPr dirty="0"/>
               <a:t>✓ Dynamic parameter tuning system</a:t>
             </a:r>
           </a:p>
           <a:p>
-            <a:r>
+            <a:pPr marL="0" indent="0">
+              <a:buNone/>
+            </a:pPr>
+            <a:r>
+              <a:rPr dirty="0"/>
               <a:t>✓ Comprehensive benchmarking framework</a:t>
             </a:r>
           </a:p>
           <a:p>
-            <a:r>
+            <a:pPr marL="0" indent="0">
+              <a:buNone/>
+            </a:pPr>
+            <a:r>
+              <a:rPr dirty="0"/>
               <a:t>✓ Statistical significance testing</a:t>
             </a:r>
           </a:p>
           <a:p>
-            <a:r>
+            <a:pPr marL="0" indent="0">
+              <a:buNone/>
+            </a:pPr>
+            <a:r>
+              <a:rPr dirty="0"/>
               <a:t>✓ Path optimization techniques</a:t>
             </a:r>
           </a:p>
           <a:p>
-            <a:r>
+            <a:pPr marL="0" indent="0">
+              <a:buNone/>
+            </a:pPr>
+            <a:r>
+              <a:rPr dirty="0"/>
               <a:t>✓ Cross-algorithm comparison metrics</a:t>
             </a:r>
           </a:p>
@@ -3588,7 +3718,7 @@
 </file>
 
 <file path=ppt/slides/slide5.xml><?xml version="1.0" encoding="utf-8"?>
-<p:sld xmlns:a="http://schemas.openxmlformats.org/drawingml/2006/main" xmlns:p="http://schemas.openxmlformats.org/presentationml/2006/main" xmlns:r="http://schemas.openxmlformats.org/officeDocument/2006/relationships">
+<p:sld xmlns:a="http://schemas.openxmlformats.org/drawingml/2006/main" xmlns:r="http://schemas.openxmlformats.org/officeDocument/2006/relationships" xmlns:p="http://schemas.openxmlformats.org/presentationml/2006/main">
   <p:cSld>
     <p:spTree>
       <p:nvGrpSpPr>
@@ -3596,7 +3726,14 @@
         <p:cNvGrpSpPr/>
         <p:nvPr/>
       </p:nvGrpSpPr>
-      <p:grpSpPr/>
+      <p:grpSpPr>
+        <a:xfrm>
+          <a:off x="0" y="0"/>
+          <a:ext cx="0" cy="0"/>
+          <a:chOff x="0" y="0"/>
+          <a:chExt cx="0" cy="0"/>
+        </a:xfrm>
+      </p:grpSpPr>
       <p:sp>
         <p:nvSpPr>
           <p:cNvPr id="2" name="Title 1"/>
@@ -3633,27 +3770,434 @@
           <a:bodyPr/>
           <a:lstStyle/>
           <a:p>
-            <a:r>
-              <a:t>Metric           ACO       PSO       ABC</a:t>
-            </a:r>
-          </a:p>
-          <a:p>
-            <a:r>
-              <a:t>Success Rate     100%      100%      100%</a:t>
-            </a:r>
-          </a:p>
-          <a:p>
-            <a:r>
-              <a:t>Avg Path Length  56.7 ± 7.4      116.0 ± 8.6      174.7 ± 41.6</a:t>
-            </a:r>
-          </a:p>
-          <a:p>
-            <a:r>
-              <a:t>Avg Time (s)     31.55s ± 37.38       8.19s ± 3.00       1.07s ± 1.04</a:t>
-            </a:r>
-          </a:p>
-        </p:txBody>
-      </p:sp>
+            <a:endParaRPr dirty="0"/>
+          </a:p>
+        </p:txBody>
+      </p:sp>
+      <p:graphicFrame>
+        <p:nvGraphicFramePr>
+          <p:cNvPr id="6" name="Table 5">
+            <a:extLst>
+              <a:ext uri="{FF2B5EF4-FFF2-40B4-BE49-F238E27FC236}">
+                <a16:creationId xmlns:a16="http://schemas.microsoft.com/office/drawing/2014/main" id="{67AAF084-2139-1438-844B-73CE7931D5CA}"/>
+              </a:ext>
+            </a:extLst>
+          </p:cNvPr>
+          <p:cNvGraphicFramePr>
+            <a:graphicFrameLocks noGrp="1"/>
+          </p:cNvGraphicFramePr>
+          <p:nvPr>
+            <p:extLst>
+              <p:ext uri="{D42A27DB-BD31-4B8C-83A1-F6EECF244321}">
+                <p14:modId xmlns:p14="http://schemas.microsoft.com/office/powerpoint/2010/main" val="3172474309"/>
+              </p:ext>
+            </p:extLst>
+          </p:nvPr>
+        </p:nvGraphicFramePr>
+        <p:xfrm>
+          <a:off x="457200" y="1600199"/>
+          <a:ext cx="8229600" cy="4525964"/>
+        </p:xfrm>
+        <a:graphic>
+          <a:graphicData uri="http://schemas.openxmlformats.org/drawingml/2006/table">
+            <a:tbl>
+              <a:tblPr firstRow="1" bandRow="1">
+                <a:tableStyleId>{5C22544A-7EE6-4342-B048-85BDC9FD1C3A}</a:tableStyleId>
+              </a:tblPr>
+              <a:tblGrid>
+                <a:gridCol w="2057400">
+                  <a:extLst>
+                    <a:ext uri="{9D8B030D-6E8A-4147-A177-3AD203B41FA5}">
+                      <a16:colId xmlns:a16="http://schemas.microsoft.com/office/drawing/2014/main" val="4204182858"/>
+                    </a:ext>
+                  </a:extLst>
+                </a:gridCol>
+                <a:gridCol w="2057400">
+                  <a:extLst>
+                    <a:ext uri="{9D8B030D-6E8A-4147-A177-3AD203B41FA5}">
+                      <a16:colId xmlns:a16="http://schemas.microsoft.com/office/drawing/2014/main" val="318997811"/>
+                    </a:ext>
+                  </a:extLst>
+                </a:gridCol>
+                <a:gridCol w="2057400">
+                  <a:extLst>
+                    <a:ext uri="{9D8B030D-6E8A-4147-A177-3AD203B41FA5}">
+                      <a16:colId xmlns:a16="http://schemas.microsoft.com/office/drawing/2014/main" val="3452490875"/>
+                    </a:ext>
+                  </a:extLst>
+                </a:gridCol>
+                <a:gridCol w="2057400">
+                  <a:extLst>
+                    <a:ext uri="{9D8B030D-6E8A-4147-A177-3AD203B41FA5}">
+                      <a16:colId xmlns:a16="http://schemas.microsoft.com/office/drawing/2014/main" val="1634327683"/>
+                    </a:ext>
+                  </a:extLst>
+                </a:gridCol>
+              </a:tblGrid>
+              <a:tr h="732584">
+                <a:tc>
+                  <a:txBody>
+                    <a:bodyPr/>
+                    <a:lstStyle/>
+                    <a:p>
+                      <a:pPr algn="ctr"/>
+                      <a:r>
+                        <a:rPr lang="en-US" sz="2800" dirty="0"/>
+                        <a:t>Metric</a:t>
+                      </a:r>
+                    </a:p>
+                  </a:txBody>
+                  <a:tcPr anchor="ctr"/>
+                </a:tc>
+                <a:tc>
+                  <a:txBody>
+                    <a:bodyPr/>
+                    <a:lstStyle/>
+                    <a:p>
+                      <a:pPr algn="ctr"/>
+                      <a:r>
+                        <a:rPr lang="en-US" sz="2800" dirty="0"/>
+                        <a:t>ACO</a:t>
+                      </a:r>
+                    </a:p>
+                  </a:txBody>
+                  <a:tcPr anchor="ctr"/>
+                </a:tc>
+                <a:tc>
+                  <a:txBody>
+                    <a:bodyPr/>
+                    <a:lstStyle/>
+                    <a:p>
+                      <a:pPr algn="ctr"/>
+                      <a:r>
+                        <a:rPr lang="en-US" sz="2800" dirty="0"/>
+                        <a:t>PSO</a:t>
+                      </a:r>
+                    </a:p>
+                  </a:txBody>
+                  <a:tcPr anchor="ctr"/>
+                </a:tc>
+                <a:tc>
+                  <a:txBody>
+                    <a:bodyPr/>
+                    <a:lstStyle/>
+                    <a:p>
+                      <a:pPr algn="ctr"/>
+                      <a:r>
+                        <a:rPr lang="en-US" sz="2800" dirty="0"/>
+                        <a:t>ABC</a:t>
+                      </a:r>
+                    </a:p>
+                  </a:txBody>
+                  <a:tcPr anchor="ctr"/>
+                </a:tc>
+                <a:extLst>
+                  <a:ext uri="{0D108BD9-81ED-4DB2-BD59-A6C34878D82A}">
+                    <a16:rowId xmlns:a16="http://schemas.microsoft.com/office/drawing/2014/main" val="355768775"/>
+                  </a:ext>
+                </a:extLst>
+              </a:tr>
+              <a:tr h="1264460">
+                <a:tc>
+                  <a:txBody>
+                    <a:bodyPr/>
+                    <a:lstStyle/>
+                    <a:p>
+                      <a:pPr marL="0" marR="0" lvl="0" indent="0" algn="ctr" defTabSz="457200" rtl="0" eaLnBrk="1" fontAlgn="auto" latinLnBrk="0" hangingPunct="1">
+                        <a:lnSpc>
+                          <a:spcPct val="100000"/>
+                        </a:lnSpc>
+                        <a:spcBef>
+                          <a:spcPts val="0"/>
+                        </a:spcBef>
+                        <a:spcAft>
+                          <a:spcPts val="0"/>
+                        </a:spcAft>
+                        <a:buClrTx/>
+                        <a:buSzTx/>
+                        <a:buFontTx/>
+                        <a:buNone/>
+                        <a:tabLst/>
+                        <a:defRPr/>
+                      </a:pPr>
+                      <a:r>
+                        <a:rPr lang="en-US" sz="2800" dirty="0"/>
+                        <a:t>Success Rate</a:t>
+                      </a:r>
+                    </a:p>
+                  </a:txBody>
+                  <a:tcPr anchor="ctr"/>
+                </a:tc>
+                <a:tc>
+                  <a:txBody>
+                    <a:bodyPr/>
+                    <a:lstStyle/>
+                    <a:p>
+                      <a:pPr marL="0" marR="0" lvl="0" indent="0" algn="ctr" defTabSz="457200" rtl="0" eaLnBrk="1" fontAlgn="auto" latinLnBrk="0" hangingPunct="1">
+                        <a:lnSpc>
+                          <a:spcPct val="100000"/>
+                        </a:lnSpc>
+                        <a:spcBef>
+                          <a:spcPts val="0"/>
+                        </a:spcBef>
+                        <a:spcAft>
+                          <a:spcPts val="0"/>
+                        </a:spcAft>
+                        <a:buClrTx/>
+                        <a:buSzTx/>
+                        <a:buFontTx/>
+                        <a:buNone/>
+                        <a:tabLst/>
+                        <a:defRPr/>
+                      </a:pPr>
+                      <a:r>
+                        <a:rPr lang="en-US" sz="2800" dirty="0"/>
+                        <a:t>100%</a:t>
+                      </a:r>
+                    </a:p>
+                  </a:txBody>
+                  <a:tcPr anchor="ctr"/>
+                </a:tc>
+                <a:tc>
+                  <a:txBody>
+                    <a:bodyPr/>
+                    <a:lstStyle/>
+                    <a:p>
+                      <a:pPr marL="0" marR="0" lvl="0" indent="0" algn="ctr" defTabSz="457200" rtl="0" eaLnBrk="1" fontAlgn="auto" latinLnBrk="0" hangingPunct="1">
+                        <a:lnSpc>
+                          <a:spcPct val="100000"/>
+                        </a:lnSpc>
+                        <a:spcBef>
+                          <a:spcPts val="0"/>
+                        </a:spcBef>
+                        <a:spcAft>
+                          <a:spcPts val="0"/>
+                        </a:spcAft>
+                        <a:buClrTx/>
+                        <a:buSzTx/>
+                        <a:buFontTx/>
+                        <a:buNone/>
+                        <a:tabLst/>
+                        <a:defRPr/>
+                      </a:pPr>
+                      <a:r>
+                        <a:rPr lang="en-US" sz="2800" dirty="0"/>
+                        <a:t>100%</a:t>
+                      </a:r>
+                    </a:p>
+                    <a:p>
+                      <a:pPr algn="ctr"/>
+                      <a:endParaRPr lang="en-US" sz="2800" dirty="0"/>
+                    </a:p>
+                  </a:txBody>
+                  <a:tcPr anchor="ctr"/>
+                </a:tc>
+                <a:tc>
+                  <a:txBody>
+                    <a:bodyPr/>
+                    <a:lstStyle/>
+                    <a:p>
+                      <a:pPr marL="0" marR="0" lvl="0" indent="0" algn="ctr" defTabSz="457200" rtl="0" eaLnBrk="1" fontAlgn="auto" latinLnBrk="0" hangingPunct="1">
+                        <a:lnSpc>
+                          <a:spcPct val="100000"/>
+                        </a:lnSpc>
+                        <a:spcBef>
+                          <a:spcPts val="0"/>
+                        </a:spcBef>
+                        <a:spcAft>
+                          <a:spcPts val="0"/>
+                        </a:spcAft>
+                        <a:buClrTx/>
+                        <a:buSzTx/>
+                        <a:buFontTx/>
+                        <a:buNone/>
+                        <a:tabLst/>
+                        <a:defRPr/>
+                      </a:pPr>
+                      <a:r>
+                        <a:rPr lang="en-US" sz="2800" dirty="0"/>
+                        <a:t>100%</a:t>
+                      </a:r>
+                    </a:p>
+                  </a:txBody>
+                  <a:tcPr anchor="ctr"/>
+                </a:tc>
+                <a:extLst>
+                  <a:ext uri="{0D108BD9-81ED-4DB2-BD59-A6C34878D82A}">
+                    <a16:rowId xmlns:a16="http://schemas.microsoft.com/office/drawing/2014/main" val="1259002670"/>
+                  </a:ext>
+                </a:extLst>
+              </a:tr>
+              <a:tr h="1264460">
+                <a:tc>
+                  <a:txBody>
+                    <a:bodyPr/>
+                    <a:lstStyle/>
+                    <a:p>
+                      <a:pPr algn="ctr"/>
+                      <a:r>
+                        <a:rPr lang="en-US" sz="2800" dirty="0"/>
+                        <a:t>Avg Path Length </a:t>
+                      </a:r>
+                    </a:p>
+                  </a:txBody>
+                  <a:tcPr anchor="ctr"/>
+                </a:tc>
+                <a:tc>
+                  <a:txBody>
+                    <a:bodyPr/>
+                    <a:lstStyle/>
+                    <a:p>
+                      <a:pPr algn="ctr"/>
+                      <a:r>
+                        <a:rPr lang="en-US" sz="2800" dirty="0"/>
+                        <a:t>56.7 ± 7.4</a:t>
+                      </a:r>
+                    </a:p>
+                  </a:txBody>
+                  <a:tcPr anchor="ctr"/>
+                </a:tc>
+                <a:tc>
+                  <a:txBody>
+                    <a:bodyPr/>
+                    <a:lstStyle/>
+                    <a:p>
+                      <a:pPr algn="ctr"/>
+                      <a:r>
+                        <a:rPr lang="en-US" sz="2800" dirty="0"/>
+                        <a:t>116.0 ± 8.6 </a:t>
+                      </a:r>
+                    </a:p>
+                  </a:txBody>
+                  <a:tcPr anchor="ctr"/>
+                </a:tc>
+                <a:tc>
+                  <a:txBody>
+                    <a:bodyPr/>
+                    <a:lstStyle/>
+                    <a:p>
+                      <a:pPr marL="0" marR="0" lvl="0" indent="0" algn="ctr" defTabSz="457200" rtl="0" eaLnBrk="1" fontAlgn="auto" latinLnBrk="0" hangingPunct="1">
+                        <a:lnSpc>
+                          <a:spcPct val="100000"/>
+                        </a:lnSpc>
+                        <a:spcBef>
+                          <a:spcPts val="0"/>
+                        </a:spcBef>
+                        <a:spcAft>
+                          <a:spcPts val="0"/>
+                        </a:spcAft>
+                        <a:buClrTx/>
+                        <a:buSzTx/>
+                        <a:buFontTx/>
+                        <a:buNone/>
+                        <a:tabLst/>
+                        <a:defRPr/>
+                      </a:pPr>
+                      <a:r>
+                        <a:rPr lang="en-US" sz="2800" dirty="0"/>
+                        <a:t>174.7 ± 41.6</a:t>
+                      </a:r>
+                    </a:p>
+                    <a:p>
+                      <a:pPr algn="ctr"/>
+                      <a:endParaRPr lang="en-US" sz="2800" dirty="0"/>
+                    </a:p>
+                  </a:txBody>
+                  <a:tcPr anchor="ctr"/>
+                </a:tc>
+                <a:extLst>
+                  <a:ext uri="{0D108BD9-81ED-4DB2-BD59-A6C34878D82A}">
+                    <a16:rowId xmlns:a16="http://schemas.microsoft.com/office/drawing/2014/main" val="480377084"/>
+                  </a:ext>
+                </a:extLst>
+              </a:tr>
+              <a:tr h="1264460">
+                <a:tc>
+                  <a:txBody>
+                    <a:bodyPr/>
+                    <a:lstStyle/>
+                    <a:p>
+                      <a:pPr algn="ctr"/>
+                      <a:r>
+                        <a:rPr lang="en-US" sz="2800" dirty="0"/>
+                        <a:t>Avg Time (s)</a:t>
+                      </a:r>
+                    </a:p>
+                  </a:txBody>
+                  <a:tcPr anchor="ctr"/>
+                </a:tc>
+                <a:tc>
+                  <a:txBody>
+                    <a:bodyPr/>
+                    <a:lstStyle/>
+                    <a:p>
+                      <a:pPr algn="ctr"/>
+                      <a:r>
+                        <a:rPr lang="en-US" sz="2800" dirty="0"/>
+                        <a:t>31.55s ± 37.38</a:t>
+                      </a:r>
+                    </a:p>
+                  </a:txBody>
+                  <a:tcPr anchor="ctr"/>
+                </a:tc>
+                <a:tc>
+                  <a:txBody>
+                    <a:bodyPr/>
+                    <a:lstStyle/>
+                    <a:p>
+                      <a:pPr algn="ctr"/>
+                      <a:r>
+                        <a:rPr lang="en-US" sz="2800" dirty="0"/>
+                        <a:t>8.19s ± 3.00 </a:t>
+                      </a:r>
+                    </a:p>
+                  </a:txBody>
+                  <a:tcPr anchor="ctr"/>
+                </a:tc>
+                <a:tc>
+                  <a:txBody>
+                    <a:bodyPr/>
+                    <a:lstStyle/>
+                    <a:p>
+                      <a:pPr marL="0" marR="0" lvl="0" indent="0" algn="ctr" defTabSz="457200" rtl="0" eaLnBrk="1" fontAlgn="auto" latinLnBrk="0" hangingPunct="1">
+                        <a:lnSpc>
+                          <a:spcPct val="100000"/>
+                        </a:lnSpc>
+                        <a:spcBef>
+                          <a:spcPts val="0"/>
+                        </a:spcBef>
+                        <a:spcAft>
+                          <a:spcPts val="0"/>
+                        </a:spcAft>
+                        <a:buClrTx/>
+                        <a:buSzTx/>
+                        <a:buFontTx/>
+                        <a:buNone/>
+                        <a:tabLst/>
+                        <a:defRPr/>
+                      </a:pPr>
+                      <a:r>
+                        <a:rPr lang="en-US" sz="2800" dirty="0"/>
+                        <a:t>1.07s ± 1.04</a:t>
+                      </a:r>
+                    </a:p>
+                    <a:p>
+                      <a:pPr algn="ctr"/>
+                      <a:endParaRPr lang="en-US" sz="2800" dirty="0"/>
+                    </a:p>
+                  </a:txBody>
+                  <a:tcPr anchor="ctr"/>
+                </a:tc>
+                <a:extLst>
+                  <a:ext uri="{0D108BD9-81ED-4DB2-BD59-A6C34878D82A}">
+                    <a16:rowId xmlns:a16="http://schemas.microsoft.com/office/drawing/2014/main" val="2809330192"/>
+                  </a:ext>
+                </a:extLst>
+              </a:tr>
+            </a:tbl>
+          </a:graphicData>
+        </a:graphic>
+      </p:graphicFrame>
     </p:spTree>
   </p:cSld>
   <p:clrMapOvr>
@@ -3663,7 +4207,7 @@
 </file>
 
 <file path=ppt/slides/slide6.xml><?xml version="1.0" encoding="utf-8"?>
-<p:sld xmlns:a="http://schemas.openxmlformats.org/drawingml/2006/main" xmlns:p="http://schemas.openxmlformats.org/presentationml/2006/main" xmlns:r="http://schemas.openxmlformats.org/officeDocument/2006/relationships">
+<p:sld xmlns:a="http://schemas.openxmlformats.org/drawingml/2006/main" xmlns:r="http://schemas.openxmlformats.org/officeDocument/2006/relationships" xmlns:p="http://schemas.openxmlformats.org/presentationml/2006/main">
   <p:cSld>
     <p:spTree>
       <p:nvGrpSpPr>
@@ -3671,7 +4215,14 @@
         <p:cNvGrpSpPr/>
         <p:nvPr/>
       </p:nvGrpSpPr>
-      <p:grpSpPr/>
+      <p:grpSpPr>
+        <a:xfrm>
+          <a:off x="0" y="0"/>
+          <a:ext cx="0" cy="0"/>
+          <a:chOff x="0" y="0"/>
+          <a:chExt cx="0" cy="0"/>
+        </a:xfrm>
+      </p:grpSpPr>
       <p:sp>
         <p:nvSpPr>
           <p:cNvPr id="2" name="Title 1"/>
@@ -3705,51 +4256,94 @@
         </p:nvSpPr>
         <p:spPr/>
         <p:txBody>
-          <a:bodyPr/>
-          <a:lstStyle/>
-          <a:p>
-            <a:r>
+          <a:bodyPr>
+            <a:normAutofit fontScale="85000" lnSpcReduction="20000"/>
+          </a:bodyPr>
+          <a:lstStyle/>
+          <a:p>
+            <a:pPr marL="0" indent="0">
+              <a:buNone/>
+            </a:pPr>
+            <a:r>
+              <a:rPr dirty="0"/>
               <a:t>Key Findings:</a:t>
             </a:r>
           </a:p>
           <a:p>
-            <a:r>
+            <a:pPr marL="0" indent="0">
+              <a:buNone/>
+            </a:pPr>
+            <a:r>
+              <a:rPr dirty="0"/>
               <a:t>- PSO: Fastest convergence for simple mazes</a:t>
             </a:r>
           </a:p>
           <a:p>
-            <a:r>
+            <a:pPr marL="0" indent="0">
+              <a:buNone/>
+            </a:pPr>
+            <a:r>
+              <a:rPr dirty="0"/>
               <a:t>- ACO: Best path optimization in complex environments</a:t>
             </a:r>
           </a:p>
           <a:p>
-            <a:r>
+            <a:pPr marL="0" indent="0">
+              <a:buNone/>
+            </a:pPr>
+            <a:r>
+              <a:rPr dirty="0"/>
               <a:t>- ABC: Balanced exploration for dynamic scenarios</a:t>
             </a:r>
           </a:p>
-          <a:p/>
-          <a:p>
-            <a:r>
+          <a:p>
+            <a:pPr marL="0" indent="0">
+              <a:buNone/>
+            </a:pPr>
+            <a:endParaRPr dirty="0"/>
+          </a:p>
+          <a:p>
+            <a:pPr marL="0" indent="0">
+              <a:buNone/>
+            </a:pPr>
+            <a:r>
+              <a:rPr dirty="0"/>
               <a:t>Applications:</a:t>
             </a:r>
           </a:p>
           <a:p>
-            <a:r>
+            <a:pPr marL="0" indent="0">
+              <a:buNone/>
+            </a:pPr>
+            <a:r>
+              <a:rPr dirty="0"/>
               <a:t>• Autonomous drone navigation</a:t>
             </a:r>
           </a:p>
           <a:p>
-            <a:r>
+            <a:pPr marL="0" indent="0">
+              <a:buNone/>
+            </a:pPr>
+            <a:r>
+              <a:rPr dirty="0"/>
               <a:t>• Warehouse robotics path planning</a:t>
             </a:r>
           </a:p>
           <a:p>
-            <a:r>
+            <a:pPr marL="0" indent="0">
+              <a:buNone/>
+            </a:pPr>
+            <a:r>
+              <a:rPr dirty="0"/>
               <a:t>• Emergency evacuation systems</a:t>
             </a:r>
           </a:p>
           <a:p>
-            <a:r>
+            <a:pPr marL="0" indent="0">
+              <a:buNone/>
+            </a:pPr>
+            <a:r>
+              <a:rPr dirty="0"/>
               <a:t>• Game AI pathfinding</a:t>
             </a:r>
           </a:p>
